--- a/CS214 Project.pptx
+++ b/CS214 Project.pptx
@@ -215,7 +215,7 @@
           <a:p>
             <a:fld id="{FE2CFA0E-4F68-4785-90B6-CE5655F571C6}" type="datetimeFigureOut">
               <a:rPr lang="en-US" smtClean="0"/>
-              <a:t>4/12/2025</a:t>
+              <a:t>4/13/2025</a:t>
             </a:fld>
             <a:endParaRPr lang="en-US"/>
           </a:p>
@@ -782,7 +782,7 @@
           <a:p>
             <a:fld id="{C87066D7-220F-46B3-92D9-4D84D0A41A15}" type="datetime1">
               <a:rPr lang="en-US" smtClean="0"/>
-              <a:t>4/12/2025</a:t>
+              <a:t>4/13/2025</a:t>
             </a:fld>
             <a:endParaRPr lang="en-US"/>
           </a:p>
@@ -952,7 +952,7 @@
           <a:p>
             <a:fld id="{921FD172-4105-47B5-AC3A-BE1F8E02A15A}" type="datetime1">
               <a:rPr lang="en-US" smtClean="0"/>
-              <a:t>4/12/2025</a:t>
+              <a:t>4/13/2025</a:t>
             </a:fld>
             <a:endParaRPr lang="en-US"/>
           </a:p>
@@ -1132,7 +1132,7 @@
           <a:p>
             <a:fld id="{0447F2C3-2E73-4699-83C9-99A46B752C5D}" type="datetime1">
               <a:rPr lang="en-US" smtClean="0"/>
-              <a:t>4/12/2025</a:t>
+              <a:t>4/13/2025</a:t>
             </a:fld>
             <a:endParaRPr lang="en-US"/>
           </a:p>
@@ -1302,7 +1302,7 @@
           <a:p>
             <a:fld id="{C52151F7-A133-4A78-8409-B9B13D7E770E}" type="datetime1">
               <a:rPr lang="en-US" smtClean="0"/>
-              <a:t>4/12/2025</a:t>
+              <a:t>4/13/2025</a:t>
             </a:fld>
             <a:endParaRPr lang="en-US"/>
           </a:p>
@@ -1548,7 +1548,7 @@
           <a:p>
             <a:fld id="{19E703BF-B1A7-4B5B-B113-D005B3F5E954}" type="datetime1">
               <a:rPr lang="en-US" smtClean="0"/>
-              <a:t>4/12/2025</a:t>
+              <a:t>4/13/2025</a:t>
             </a:fld>
             <a:endParaRPr lang="en-US"/>
           </a:p>
@@ -1780,7 +1780,7 @@
           <a:p>
             <a:fld id="{511677A5-35BD-464C-8809-6BE839007AD9}" type="datetime1">
               <a:rPr lang="en-US" smtClean="0"/>
-              <a:t>4/12/2025</a:t>
+              <a:t>4/13/2025</a:t>
             </a:fld>
             <a:endParaRPr lang="en-US"/>
           </a:p>
@@ -2147,7 +2147,7 @@
           <a:p>
             <a:fld id="{C3DB5281-9750-4FAB-B39A-31B21CB2AC2C}" type="datetime1">
               <a:rPr lang="en-US" smtClean="0"/>
-              <a:t>4/12/2025</a:t>
+              <a:t>4/13/2025</a:t>
             </a:fld>
             <a:endParaRPr lang="en-US"/>
           </a:p>
@@ -2265,7 +2265,7 @@
           <a:p>
             <a:fld id="{B9364341-52D9-4644-91ED-C6D7C7BE2BCA}" type="datetime1">
               <a:rPr lang="en-US" smtClean="0"/>
-              <a:t>4/12/2025</a:t>
+              <a:t>4/13/2025</a:t>
             </a:fld>
             <a:endParaRPr lang="en-US"/>
           </a:p>
@@ -2360,7 +2360,7 @@
           <a:p>
             <a:fld id="{C0CA37A3-A7E5-42E1-B8EB-20D302DD2893}" type="datetime1">
               <a:rPr lang="en-US" smtClean="0"/>
-              <a:t>4/12/2025</a:t>
+              <a:t>4/13/2025</a:t>
             </a:fld>
             <a:endParaRPr lang="en-US"/>
           </a:p>
@@ -2637,7 +2637,7 @@
           <a:p>
             <a:fld id="{E29CFD6A-84D4-48A3-970F-381B28CB93B2}" type="datetime1">
               <a:rPr lang="en-US" smtClean="0"/>
-              <a:t>4/12/2025</a:t>
+              <a:t>4/13/2025</a:t>
             </a:fld>
             <a:endParaRPr lang="en-US"/>
           </a:p>
@@ -2894,7 +2894,7 @@
           <a:p>
             <a:fld id="{698E7E1F-A42B-412C-99FB-5102F0FBDCC3}" type="datetime1">
               <a:rPr lang="en-US" smtClean="0"/>
-              <a:t>4/12/2025</a:t>
+              <a:t>4/13/2025</a:t>
             </a:fld>
             <a:endParaRPr lang="en-US"/>
           </a:p>
@@ -3110,7 +3110,7 @@
           <a:p>
             <a:fld id="{5E4F5421-96BA-4D4F-8C06-1E1F3495379D}" type="datetime1">
               <a:rPr lang="en-US" smtClean="0"/>
-              <a:t>4/12/2025</a:t>
+              <a:t>4/13/2025</a:t>
             </a:fld>
             <a:endParaRPr lang="en-US"/>
           </a:p>
@@ -3868,13 +3868,13 @@
               <a:t> </a:t>
             </a:r>
             <a:r>
-              <a:rPr lang="en-US" b="1" dirty="0" smtClean="0">
+              <a:rPr lang="en-US" b="1" dirty="0" err="1">
                 <a:solidFill>
                   <a:srgbClr val="FF0000"/>
                 </a:solidFill>
                 <a:latin typeface="+mj-lt"/>
               </a:rPr>
-              <a:t>searchByNumber </a:t>
+              <a:t>searchBynumber</a:t>
             </a:r>
             <a:r>
               <a:rPr lang="en-US" b="1" dirty="0">
@@ -3883,7 +3883,7 @@
                 </a:solidFill>
                 <a:latin typeface="+mj-lt"/>
               </a:rPr>
-              <a:t>()</a:t>
+              <a:t> ()</a:t>
             </a:r>
             <a:r>
               <a:rPr lang="en-US" dirty="0">
@@ -4323,7 +4323,7 @@
               <a:t>The </a:t>
             </a:r>
             <a:r>
-              <a:rPr lang="en-US" sz="2400" dirty="0" smtClean="0">
+              <a:rPr lang="en-US" sz="2400" dirty="0" err="1" smtClean="0">
                 <a:solidFill>
                   <a:srgbClr val="FF0000"/>
                 </a:solidFill>
@@ -4343,12 +4343,30 @@
               <a:t>reads contacts from a file </a:t>
             </a:r>
             <a:r>
-              <a:rPr lang="en-US" sz="2400" u="sng" dirty="0" smtClean="0"/>
-              <a:t>(name,phone,email</a:t>
-            </a:r>
-            <a:r>
-              <a:rPr lang="en-US" sz="2400" u="sng" dirty="0" smtClean="0"/>
-              <a:t>)</a:t>
+              <a:rPr lang="en-US" sz="2400" dirty="0"/>
+              <a:t>in the format the user prefers (</a:t>
+            </a:r>
+            <a:r>
+              <a:rPr lang="en-US" sz="2400" dirty="0" err="1"/>
+              <a:t>name,phone,email</a:t>
+            </a:r>
+            <a:r>
+              <a:rPr lang="en-US" sz="2400" dirty="0"/>
+              <a:t>) which should be provided after the file name</a:t>
+            </a:r>
+            <a:r>
+              <a:rPr lang="en-US" sz="2400" dirty="0" smtClean="0"/>
+              <a:t>.</a:t>
+            </a:r>
+          </a:p>
+          <a:p>
+            <a:r>
+              <a:rPr lang="en-US" sz="2400" dirty="0" smtClean="0"/>
+              <a:t>It </a:t>
+            </a:r>
+            <a:r>
+              <a:rPr lang="en-US" sz="2400" dirty="0"/>
+              <a:t>trims spaces at the start of each field</a:t>
             </a:r>
           </a:p>
           <a:p>
@@ -4358,13 +4376,8 @@
             </a:r>
             <a:r>
               <a:rPr lang="en-US" sz="2400" dirty="0"/>
-              <a:t>a Contact object for each line and inserts it into the </a:t>
-            </a:r>
-            <a:r>
-              <a:rPr lang="en-US" sz="2400" dirty="0" smtClean="0"/>
-              <a:t>file</a:t>
-            </a:r>
-            <a:endParaRPr lang="en-US" sz="2400" dirty="0"/>
+              <a:t>a Contact object for each line and inserts it into the system</a:t>
+            </a:r>
           </a:p>
         </p:txBody>
       </p:sp>
@@ -4512,7 +4525,7 @@
               <a:t>The </a:t>
             </a:r>
             <a:r>
-              <a:rPr lang="en-US" sz="2400" dirty="0" smtClean="0">
+              <a:rPr lang="en-US" sz="2400" dirty="0" err="1" smtClean="0">
                 <a:solidFill>
                   <a:srgbClr val="FF0000"/>
                 </a:solidFill>
@@ -4529,12 +4542,9 @@
             </a:r>
             <a:r>
               <a:rPr lang="en-US" sz="2400" dirty="0"/>
-              <a:t>writes all contacts to a </a:t>
-            </a:r>
-            <a:r>
-              <a:rPr lang="en-US" sz="2400" dirty="0" smtClean="0"/>
-              <a:t>file</a:t>
-            </a:r>
+              <a:t>saves all contacts to a file using the format specified by the user after entering the file name.</a:t>
+            </a:r>
+            <a:endParaRPr lang="en-US" sz="2400" dirty="0" smtClean="0"/>
           </a:p>
           <a:p>
             <a:r>
@@ -5260,7 +5270,7 @@
         </p:nvSpPr>
         <p:spPr>
           <a:xfrm>
-            <a:off x="592898" y="-82267"/>
+            <a:off x="592901" y="-338026"/>
             <a:ext cx="11128513" cy="1325563"/>
           </a:xfrm>
         </p:spPr>
@@ -5848,21 +5858,16 @@
           </p:cNvPicPr>
           <p:nvPr/>
         </p:nvPicPr>
-        <p:blipFill rotWithShape="1">
-          <a:blip r:embed="rId3">
-            <a:extLst>
-              <a:ext uri="{28A0092B-C50C-407E-A947-70E740481C1C}">
-                <a14:useLocalDpi xmlns:a14="http://schemas.microsoft.com/office/drawing/2010/main" val="0"/>
-              </a:ext>
-            </a:extLst>
-          </a:blip>
-          <a:srcRect l="-1042" t="-555" r="1042" b="29633"/>
-          <a:stretch/>
+        <p:blipFill>
+          <a:blip r:embed="rId3"/>
+          <a:stretch>
+            <a:fillRect/>
+          </a:stretch>
         </p:blipFill>
         <p:spPr>
           <a:xfrm>
-            <a:off x="4286108" y="5174662"/>
-            <a:ext cx="3686317" cy="1364250"/>
+            <a:off x="4646199" y="5108594"/>
+            <a:ext cx="2944772" cy="1430318"/>
           </a:xfrm>
           <a:prstGeom prst="rect">
             <a:avLst/>
@@ -6018,52 +6023,6 @@
               <a:ea typeface="+mj-ea"/>
               <a:cs typeface="+mj-cs"/>
             </a:endParaRPr>
-          </a:p>
-        </p:txBody>
-      </p:sp>
-      <p:sp>
-        <p:nvSpPr>
-          <p:cNvPr id="2" name="Oval 1"/>
-          <p:cNvSpPr/>
-          <p:nvPr/>
-        </p:nvSpPr>
-        <p:spPr>
-          <a:xfrm>
-            <a:off x="9806306" y="4695824"/>
-            <a:ext cx="54450" cy="69057"/>
-          </a:xfrm>
-          <a:prstGeom prst="ellipse">
-            <a:avLst/>
-          </a:prstGeom>
-          <a:solidFill>
-            <a:srgbClr val="FFDFE5"/>
-          </a:solidFill>
-          <a:ln>
-            <a:noFill/>
-          </a:ln>
-        </p:spPr>
-        <p:style>
-          <a:lnRef idx="2">
-            <a:schemeClr val="accent1">
-              <a:shade val="50000"/>
-            </a:schemeClr>
-          </a:lnRef>
-          <a:fillRef idx="1">
-            <a:schemeClr val="accent1"/>
-          </a:fillRef>
-          <a:effectRef idx="0">
-            <a:schemeClr val="accent1"/>
-          </a:effectRef>
-          <a:fontRef idx="minor">
-            <a:schemeClr val="lt1"/>
-          </a:fontRef>
-        </p:style>
-        <p:txBody>
-          <a:bodyPr rtlCol="0" anchor="ctr"/>
-          <a:lstStyle/>
-          <a:p>
-            <a:pPr algn="ctr"/>
-            <a:endParaRPr lang="en-US"/>
           </a:p>
         </p:txBody>
       </p:sp>
@@ -6792,7 +6751,7 @@
         <p:spPr>
           <a:xfrm>
             <a:off x="1184003" y="1847850"/>
-            <a:ext cx="9999812" cy="2055935"/>
+            <a:ext cx="10515600" cy="4351338"/>
           </a:xfrm>
         </p:spPr>
         <p:txBody>
